--- a/primeira aula/html&css.pptx
+++ b/primeira aula/html&css.pptx
@@ -268,7 +268,7 @@
           <a:p>
             <a:fld id="{82BF5E0B-5934-4F67-B594-D8CFC2B9EE53}" type="datetimeFigureOut">
               <a:rPr lang="pt-BR" smtClean="0"/>
-              <a:t>10/04/2016</a:t>
+              <a:t>05/05/2016</a:t>
             </a:fld>
             <a:endParaRPr lang="pt-BR"/>
           </a:p>
@@ -438,7 +438,7 @@
           <a:p>
             <a:fld id="{82BF5E0B-5934-4F67-B594-D8CFC2B9EE53}" type="datetimeFigureOut">
               <a:rPr lang="pt-BR" smtClean="0"/>
-              <a:t>10/04/2016</a:t>
+              <a:t>05/05/2016</a:t>
             </a:fld>
             <a:endParaRPr lang="pt-BR"/>
           </a:p>
@@ -618,7 +618,7 @@
           <a:p>
             <a:fld id="{82BF5E0B-5934-4F67-B594-D8CFC2B9EE53}" type="datetimeFigureOut">
               <a:rPr lang="pt-BR" smtClean="0"/>
-              <a:t>10/04/2016</a:t>
+              <a:t>05/05/2016</a:t>
             </a:fld>
             <a:endParaRPr lang="pt-BR"/>
           </a:p>
@@ -788,7 +788,7 @@
           <a:p>
             <a:fld id="{82BF5E0B-5934-4F67-B594-D8CFC2B9EE53}" type="datetimeFigureOut">
               <a:rPr lang="pt-BR" smtClean="0"/>
-              <a:t>10/04/2016</a:t>
+              <a:t>05/05/2016</a:t>
             </a:fld>
             <a:endParaRPr lang="pt-BR"/>
           </a:p>
@@ -1032,7 +1032,7 @@
           <a:p>
             <a:fld id="{82BF5E0B-5934-4F67-B594-D8CFC2B9EE53}" type="datetimeFigureOut">
               <a:rPr lang="pt-BR" smtClean="0"/>
-              <a:t>10/04/2016</a:t>
+              <a:t>05/05/2016</a:t>
             </a:fld>
             <a:endParaRPr lang="pt-BR"/>
           </a:p>
@@ -1264,7 +1264,7 @@
           <a:p>
             <a:fld id="{82BF5E0B-5934-4F67-B594-D8CFC2B9EE53}" type="datetimeFigureOut">
               <a:rPr lang="pt-BR" smtClean="0"/>
-              <a:t>10/04/2016</a:t>
+              <a:t>05/05/2016</a:t>
             </a:fld>
             <a:endParaRPr lang="pt-BR"/>
           </a:p>
@@ -1631,7 +1631,7 @@
           <a:p>
             <a:fld id="{82BF5E0B-5934-4F67-B594-D8CFC2B9EE53}" type="datetimeFigureOut">
               <a:rPr lang="pt-BR" smtClean="0"/>
-              <a:t>10/04/2016</a:t>
+              <a:t>05/05/2016</a:t>
             </a:fld>
             <a:endParaRPr lang="pt-BR"/>
           </a:p>
@@ -1749,7 +1749,7 @@
           <a:p>
             <a:fld id="{82BF5E0B-5934-4F67-B594-D8CFC2B9EE53}" type="datetimeFigureOut">
               <a:rPr lang="pt-BR" smtClean="0"/>
-              <a:t>10/04/2016</a:t>
+              <a:t>05/05/2016</a:t>
             </a:fld>
             <a:endParaRPr lang="pt-BR"/>
           </a:p>
@@ -1844,7 +1844,7 @@
           <a:p>
             <a:fld id="{82BF5E0B-5934-4F67-B594-D8CFC2B9EE53}" type="datetimeFigureOut">
               <a:rPr lang="pt-BR" smtClean="0"/>
-              <a:t>10/04/2016</a:t>
+              <a:t>05/05/2016</a:t>
             </a:fld>
             <a:endParaRPr lang="pt-BR"/>
           </a:p>
@@ -2121,7 +2121,7 @@
           <a:p>
             <a:fld id="{82BF5E0B-5934-4F67-B594-D8CFC2B9EE53}" type="datetimeFigureOut">
               <a:rPr lang="pt-BR" smtClean="0"/>
-              <a:t>10/04/2016</a:t>
+              <a:t>05/05/2016</a:t>
             </a:fld>
             <a:endParaRPr lang="pt-BR"/>
           </a:p>
@@ -2378,7 +2378,7 @@
           <a:p>
             <a:fld id="{82BF5E0B-5934-4F67-B594-D8CFC2B9EE53}" type="datetimeFigureOut">
               <a:rPr lang="pt-BR" smtClean="0"/>
-              <a:t>10/04/2016</a:t>
+              <a:t>05/05/2016</a:t>
             </a:fld>
             <a:endParaRPr lang="pt-BR"/>
           </a:p>
@@ -2600,7 +2600,7 @@
           <a:p>
             <a:fld id="{82BF5E0B-5934-4F67-B594-D8CFC2B9EE53}" type="datetimeFigureOut">
               <a:rPr lang="pt-BR" smtClean="0"/>
-              <a:t>10/04/2016</a:t>
+              <a:t>05/05/2016</a:t>
             </a:fld>
             <a:endParaRPr lang="pt-BR"/>
           </a:p>
@@ -5558,12 +5558,12 @@
               <a:buNone/>
             </a:pPr>
             <a:r>
-              <a:rPr lang="pt-BR" dirty="0" err="1" smtClean="0"/>
-              <a:t>Text-alignment</a:t>
-            </a:r>
-            <a:r>
-              <a:rPr lang="pt-BR" dirty="0" smtClean="0"/>
-              <a:t>: define o alinhamento do texto;</a:t>
+              <a:rPr lang="pt-BR" smtClean="0"/>
+              <a:t>Text-align: </a:t>
+            </a:r>
+            <a:r>
+              <a:rPr lang="pt-BR" dirty="0" smtClean="0"/>
+              <a:t>define o alinhamento do texto;</a:t>
             </a:r>
           </a:p>
           <a:p>
@@ -5734,11 +5734,7 @@
             </a:pPr>
             <a:r>
               <a:rPr lang="pt-BR" dirty="0" smtClean="0"/>
-              <a:t>Media Queries: O CSS será aplicado de diferentes formas para diferentes tamanhos de </a:t>
-            </a:r>
-            <a:r>
-              <a:rPr lang="pt-BR" dirty="0" smtClean="0"/>
-              <a:t>tela</a:t>
+              <a:t>Media Queries: O CSS será aplicado de diferentes formas para diferentes tamanhos de tela</a:t>
             </a:r>
           </a:p>
           <a:p>
